--- a/Vectorization/Vectorization2014.pptx
+++ b/Vectorization/Vectorization2014.pptx
@@ -48,28 +48,28 @@
   <p:notesSz cx="7315200" cy="9601200"/>
   <p:embeddedFontLst>
     <p:embeddedFont>
-      <p:font typeface="Neo Sans Intel" panose="020B0504020202020204" pitchFamily="34" charset="0"/>
+      <p:font typeface="MS PGothic" panose="020B0600070205080204" pitchFamily="34" charset="-128"/>
       <p:regular r:id="rId36"/>
-      <p:italic r:id="rId37"/>
-    </p:embeddedFont>
-    <p:embeddedFont>
-      <p:font typeface="Consolas" panose="020B0609020204030204" pitchFamily="49" charset="0"/>
-      <p:regular r:id="rId38"/>
-      <p:bold r:id="rId39"/>
-      <p:italic r:id="rId40"/>
-      <p:boldItalic r:id="rId41"/>
-    </p:embeddedFont>
-    <p:embeddedFont>
-      <p:font typeface="MS PGothic" panose="020B0600070205080204" pitchFamily="34" charset="-128"/>
-      <p:regular r:id="rId42"/>
     </p:embeddedFont>
     <p:embeddedFont>
       <p:font typeface="Intel Clear Light" panose="020B0404020203020204" pitchFamily="34" charset="0"/>
+      <p:regular r:id="rId37"/>
+      <p:italic r:id="rId38"/>
+    </p:embeddedFont>
+    <p:embeddedFont>
+      <p:font typeface="Intel Clear" panose="020B0604020203020204" pitchFamily="34" charset="0"/>
+      <p:regular r:id="rId39"/>
+      <p:bold r:id="rId40"/>
+      <p:italic r:id="rId41"/>
+      <p:boldItalic r:id="rId42"/>
+    </p:embeddedFont>
+    <p:embeddedFont>
+      <p:font typeface="Neo Sans Intel" panose="020B0504020202020204" pitchFamily="34" charset="0"/>
       <p:regular r:id="rId43"/>
       <p:italic r:id="rId44"/>
     </p:embeddedFont>
     <p:embeddedFont>
-      <p:font typeface="Intel Clear" panose="020B0604020203020204" pitchFamily="34" charset="0"/>
+      <p:font typeface="Consolas" panose="020B0609020204030204" pitchFamily="49" charset="0"/>
       <p:regular r:id="rId45"/>
       <p:bold r:id="rId46"/>
       <p:italic r:id="rId47"/>
@@ -268,7 +268,7 @@
                 <a:latin typeface="Intel Clear" panose="020B0604020203020204" pitchFamily="34" charset="0"/>
               </a:rPr>
               <a:pPr/>
-              <a:t>6/24/2014</a:t>
+              <a:t>6/26/2014</a:t>
             </a:fld>
             <a:endParaRPr lang="en-US" dirty="0">
               <a:latin typeface="Intel Clear" panose="020B0604020203020204" pitchFamily="34" charset="0"/>
@@ -448,7 +448,7 @@
             <a:fld id="{ED7FC5FE-6F0D-D34A-8EE6-C95B4F5F4DC8}" type="datetimeFigureOut">
               <a:rPr lang="en-US" smtClean="0"/>
               <a:pPr/>
-              <a:t>6/24/2014</a:t>
+              <a:t>6/26/2014</a:t>
             </a:fld>
             <a:endParaRPr lang="en-US" dirty="0"/>
           </a:p>
@@ -1526,15 +1526,44 @@
           <a:bodyPr/>
           <a:lstStyle/>
           <a:p>
+            <a:pPr marL="0" marR="0" indent="0" algn="l" defTabSz="457200" rtl="0" eaLnBrk="1" fontAlgn="auto" latinLnBrk="0" hangingPunct="1">
+              <a:lnSpc>
+                <a:spcPct val="100000"/>
+              </a:lnSpc>
+              <a:spcBef>
+                <a:spcPts val="0"/>
+              </a:spcBef>
+              <a:spcAft>
+                <a:spcPts val="0"/>
+              </a:spcAft>
+              <a:buClrTx/>
+              <a:buSzTx/>
+              <a:buFontTx/>
+              <a:buNone/>
+              <a:tabLst/>
+              <a:defRPr/>
+            </a:pPr>
+            <a:r>
+              <a:rPr lang="en-US" dirty="0" smtClean="0"/>
+              <a:t>The picture here shows how reordering</a:t>
+            </a:r>
+            <a:r>
+              <a:rPr lang="en-US" baseline="0" dirty="0" smtClean="0"/>
+              <a:t> a reduction can speed it up by 8x on a machine with a SIMD width of 4. The overlapping can hide instruction latency.</a:t>
+            </a:r>
+          </a:p>
+          <a:p>
+            <a:endParaRPr lang="en-US" baseline="0" dirty="0" smtClean="0"/>
+          </a:p>
+          <a:p>
             <a:r>
               <a:rPr lang="en-US" dirty="0" smtClean="0"/>
               <a:t>LLVM</a:t>
             </a:r>
             <a:r>
               <a:rPr lang="en-US" baseline="0" dirty="0" smtClean="0"/>
-              <a:t> 3.3 compiled example as 4 overlapping 8-wide vector streams.  The overlapping can hide instruction latency.</a:t>
-            </a:r>
-            <a:endParaRPr lang="en-US" dirty="0"/>
+              <a:t> 3.3 compiled the example on the previous slide as 4 overlapping 8-wide vector streams.  </a:t>
+            </a:r>
           </a:p>
         </p:txBody>
       </p:sp>
@@ -4734,7 +4763,7 @@
           <a:p>
             <a:fld id="{8F349F51-A4B0-43DF-B75F-F8F04C2B28FF}" type="datetime1">
               <a:rPr lang="en-US" smtClean="0"/>
-              <a:t>6/24/2014</a:t>
+              <a:t>6/26/2014</a:t>
             </a:fld>
             <a:endParaRPr lang="en-US" dirty="0"/>
           </a:p>
@@ -5596,7 +5625,7 @@
           <a:p>
             <a:fld id="{98CAC7F1-0535-4974-A001-A0380B0F8976}" type="datetime1">
               <a:rPr lang="en-US" smtClean="0"/>
-              <a:t>6/24/2014</a:t>
+              <a:t>6/26/2014</a:t>
             </a:fld>
             <a:endParaRPr lang="en-US" dirty="0"/>
           </a:p>
@@ -5877,7 +5906,7 @@
           <a:p>
             <a:fld id="{A3DF1F36-8BD2-440C-8C0D-17A3CE25CCB4}" type="datetime1">
               <a:rPr lang="en-US" smtClean="0"/>
-              <a:t>6/24/2014</a:t>
+              <a:t>6/26/2014</a:t>
             </a:fld>
             <a:endParaRPr lang="en-US" dirty="0"/>
           </a:p>
@@ -6047,7 +6076,7 @@
           <a:p>
             <a:fld id="{993C30F3-3995-4B0E-B913-810FFB12948D}" type="datetime1">
               <a:rPr lang="en-US" smtClean="0"/>
-              <a:t>6/24/2014</a:t>
+              <a:t>6/26/2014</a:t>
             </a:fld>
             <a:endParaRPr lang="en-US" dirty="0"/>
           </a:p>
@@ -6530,7 +6559,7 @@
           <a:p>
             <a:fld id="{B56BAFBD-3A76-4213-BE19-97CCF7B913CD}" type="datetime1">
               <a:rPr lang="en-US" smtClean="0"/>
-              <a:t>6/24/2014</a:t>
+              <a:t>6/26/2014</a:t>
             </a:fld>
             <a:endParaRPr lang="en-US" dirty="0"/>
           </a:p>
@@ -7515,7 +7544,7 @@
           <a:p>
             <a:fld id="{C35A3E6E-686C-4F0D-8426-427A83407012}" type="datetime1">
               <a:rPr lang="en-US" smtClean="0"/>
-              <a:t>6/24/2014</a:t>
+              <a:t>6/26/2014</a:t>
             </a:fld>
             <a:endParaRPr lang="en-US" dirty="0"/>
           </a:p>
@@ -7761,7 +7790,7 @@
           <a:p>
             <a:fld id="{52B1FC00-AEE1-4045-844D-EC769812F0A3}" type="datetime1">
               <a:rPr lang="en-US" smtClean="0"/>
-              <a:t>6/24/2014</a:t>
+              <a:t>6/26/2014</a:t>
             </a:fld>
             <a:endParaRPr lang="en-US" dirty="0"/>
           </a:p>
@@ -10695,54 +10724,6 @@
       </p:grpSpPr>
       <p:sp>
         <p:nvSpPr>
-          <p:cNvPr id="7" name="Down Arrow 6"/>
-          <p:cNvSpPr/>
-          <p:nvPr/>
-        </p:nvSpPr>
-        <p:spPr>
-          <a:xfrm>
-            <a:off x="1923772" y="3122167"/>
-            <a:ext cx="573221" cy="501551"/>
-          </a:xfrm>
-          <a:prstGeom prst="downArrow">
-            <a:avLst>
-              <a:gd name="adj1" fmla="val 38184"/>
-              <a:gd name="adj2" fmla="val 50000"/>
-            </a:avLst>
-          </a:prstGeom>
-          <a:solidFill>
-            <a:schemeClr val="accent2"/>
-          </a:solidFill>
-          <a:ln>
-            <a:noFill/>
-          </a:ln>
-          <a:effectLst/>
-        </p:spPr>
-        <p:style>
-          <a:lnRef idx="1">
-            <a:schemeClr val="accent1"/>
-          </a:lnRef>
-          <a:fillRef idx="3">
-            <a:schemeClr val="accent1"/>
-          </a:fillRef>
-          <a:effectRef idx="2">
-            <a:schemeClr val="accent1"/>
-          </a:effectRef>
-          <a:fontRef idx="minor">
-            <a:schemeClr val="lt1"/>
-          </a:fontRef>
-        </p:style>
-        <p:txBody>
-          <a:bodyPr rtlCol="0" anchor="ctr"/>
-          <a:lstStyle/>
-          <a:p>
-            <a:pPr algn="ctr"/>
-            <a:endParaRPr lang="en-US"/>
-          </a:p>
-        </p:txBody>
-      </p:sp>
-      <p:sp>
-        <p:nvSpPr>
           <p:cNvPr id="3" name="Slide Number Placeholder 2"/>
           <p:cNvSpPr>
             <a:spLocks noGrp="1"/>
@@ -10924,265 +10905,328 @@
           </a:p>
         </p:txBody>
       </p:sp>
-      <p:sp>
-        <p:nvSpPr>
-          <p:cNvPr id="6" name="TextBox 5"/>
-          <p:cNvSpPr txBox="1"/>
+      <p:grpSp>
+        <p:nvGrpSpPr>
+          <p:cNvPr id="2" name="Group 1"/>
+          <p:cNvGrpSpPr/>
           <p:nvPr/>
-        </p:nvSpPr>
-        <p:spPr>
+        </p:nvGrpSpPr>
+        <p:grpSpPr>
           <a:xfrm>
-            <a:off x="462225" y="3623719"/>
-            <a:ext cx="7351731" cy="2554545"/>
+            <a:off x="455613" y="3122167"/>
+            <a:ext cx="7358343" cy="3503300"/>
+            <a:chOff x="455613" y="3122167"/>
+            <a:chExt cx="7358343" cy="3503300"/>
           </a:xfrm>
-          <a:prstGeom prst="rect">
-            <a:avLst/>
-          </a:prstGeom>
-          <a:noFill/>
-          <a:ln>
+        </p:grpSpPr>
+        <p:sp>
+          <p:nvSpPr>
+            <p:cNvPr id="7" name="Down Arrow 6"/>
+            <p:cNvSpPr/>
+            <p:nvPr/>
+          </p:nvSpPr>
+          <p:spPr>
+            <a:xfrm>
+              <a:off x="1923772" y="3122167"/>
+              <a:ext cx="573221" cy="501551"/>
+            </a:xfrm>
+            <a:prstGeom prst="downArrow">
+              <a:avLst>
+                <a:gd name="adj1" fmla="val 38184"/>
+                <a:gd name="adj2" fmla="val 50000"/>
+              </a:avLst>
+            </a:prstGeom>
             <a:solidFill>
-              <a:schemeClr val="tx1"/>
+              <a:schemeClr val="accent2"/>
             </a:solidFill>
-          </a:ln>
-        </p:spPr>
-        <p:txBody>
-          <a:bodyPr wrap="square" rtlCol="0">
-            <a:spAutoFit/>
-          </a:bodyPr>
-          <a:lstStyle/>
-          <a:p>
-            <a:r>
-              <a:rPr lang="en-US" sz="1600" dirty="0">
+            <a:ln>
+              <a:noFill/>
+            </a:ln>
+            <a:effectLst/>
+          </p:spPr>
+          <p:style>
+            <a:lnRef idx="1">
+              <a:schemeClr val="accent1"/>
+            </a:lnRef>
+            <a:fillRef idx="3">
+              <a:schemeClr val="accent1"/>
+            </a:fillRef>
+            <a:effectRef idx="2">
+              <a:schemeClr val="accent1"/>
+            </a:effectRef>
+            <a:fontRef idx="minor">
+              <a:schemeClr val="lt1"/>
+            </a:fontRef>
+          </p:style>
+          <p:txBody>
+            <a:bodyPr rtlCol="0" anchor="ctr"/>
+            <a:lstStyle/>
+            <a:p>
+              <a:pPr algn="ctr"/>
+              <a:endParaRPr lang="en-US"/>
+            </a:p>
+          </p:txBody>
+        </p:sp>
+        <p:sp>
+          <p:nvSpPr>
+            <p:cNvPr id="6" name="TextBox 5"/>
+            <p:cNvSpPr txBox="1"/>
+            <p:nvPr/>
+          </p:nvSpPr>
+          <p:spPr>
+            <a:xfrm>
+              <a:off x="462225" y="3623719"/>
+              <a:ext cx="7351731" cy="2554545"/>
+            </a:xfrm>
+            <a:prstGeom prst="rect">
+              <a:avLst/>
+            </a:prstGeom>
+            <a:noFill/>
+            <a:ln>
+              <a:solidFill>
+                <a:schemeClr val="tx1"/>
+              </a:solidFill>
+            </a:ln>
+          </p:spPr>
+          <p:txBody>
+            <a:bodyPr wrap="square" rtlCol="0">
+              <a:spAutoFit/>
+            </a:bodyPr>
+            <a:lstStyle/>
+            <a:p>
+              <a:r>
+                <a:rPr lang="en-US" sz="1600" dirty="0">
+                  <a:solidFill>
+                    <a:schemeClr val="tx2"/>
+                  </a:solidFill>
+                  <a:latin typeface="Consolas" panose="020B0609020204030204" pitchFamily="49" charset="0"/>
+                  <a:cs typeface="Consolas" panose="020B0609020204030204" pitchFamily="49" charset="0"/>
+                </a:rPr>
+                <a:t>function </a:t>
+              </a:r>
+              <a:r>
+                <a:rPr lang="en-US" sz="1600" dirty="0" smtClean="0">
+                  <a:solidFill>
+                    <a:schemeClr val="tx2"/>
+                  </a:solidFill>
+                  <a:latin typeface="Consolas" panose="020B0609020204030204" pitchFamily="49" charset="0"/>
+                  <a:cs typeface="Consolas" panose="020B0609020204030204" pitchFamily="49" charset="0"/>
+                </a:rPr>
+                <a:t>summation(x</a:t>
+              </a:r>
+              <a:r>
+                <a:rPr lang="en-US" sz="1600" dirty="0">
+                  <a:solidFill>
+                    <a:schemeClr val="tx2"/>
+                  </a:solidFill>
+                  <a:latin typeface="Consolas" panose="020B0609020204030204" pitchFamily="49" charset="0"/>
+                  <a:cs typeface="Consolas" panose="020B0609020204030204" pitchFamily="49" charset="0"/>
+                </a:rPr>
+                <a:t>::Array{Float32,1})</a:t>
+              </a:r>
+            </a:p>
+            <a:p>
+              <a:r>
+                <a:rPr lang="en-US" sz="1600" dirty="0">
+                  <a:solidFill>
+                    <a:schemeClr val="tx2"/>
+                  </a:solidFill>
+                  <a:latin typeface="Consolas" panose="020B0609020204030204" pitchFamily="49" charset="0"/>
+                  <a:cs typeface="Consolas" panose="020B0609020204030204" pitchFamily="49" charset="0"/>
+                </a:rPr>
+                <a:t>    t =(0f0,0f0,0f0,0f0)</a:t>
+              </a:r>
+            </a:p>
+            <a:p>
+              <a:r>
+                <a:rPr lang="en-US" sz="1600" dirty="0">
+                  <a:solidFill>
+                    <a:schemeClr val="tx2"/>
+                  </a:solidFill>
+                  <a:latin typeface="Consolas" panose="020B0609020204030204" pitchFamily="49" charset="0"/>
+                  <a:cs typeface="Consolas" panose="020B0609020204030204" pitchFamily="49" charset="0"/>
+                </a:rPr>
+                <a:t>    @inbounds for </a:t>
+              </a:r>
+              <a:r>
+                <a:rPr lang="en-US" sz="1600" dirty="0" smtClean="0">
+                  <a:solidFill>
+                    <a:schemeClr val="tx2"/>
+                  </a:solidFill>
+                  <a:latin typeface="Consolas" panose="020B0609020204030204" pitchFamily="49" charset="0"/>
+                  <a:cs typeface="Consolas" panose="020B0609020204030204" pitchFamily="49" charset="0"/>
+                </a:rPr>
+                <a:t>i=1:4:length(x)</a:t>
+              </a:r>
+            </a:p>
+            <a:p>
+              <a:r>
+                <a:rPr lang="en-US" sz="1600" i="1" dirty="0" smtClean="0">
+                  <a:solidFill>
+                    <a:schemeClr val="tx2"/>
+                  </a:solidFill>
+                  <a:latin typeface="Consolas" panose="020B0609020204030204" pitchFamily="49" charset="0"/>
+                  <a:cs typeface="Consolas" panose="020B0609020204030204" pitchFamily="49" charset="0"/>
+                </a:rPr>
+                <a:t>        # </a:t>
+              </a:r>
+              <a:r>
+                <a:rPr lang="en-US" sz="1600" i="1" dirty="0">
+                  <a:solidFill>
+                    <a:schemeClr val="tx2"/>
+                  </a:solidFill>
+                  <a:latin typeface="Consolas" panose="020B0609020204030204" pitchFamily="49" charset="0"/>
+                  <a:cs typeface="Consolas" panose="020B0609020204030204" pitchFamily="49" charset="0"/>
+                </a:rPr>
+                <a:t>Four logical iterations per physical </a:t>
+              </a:r>
+              <a:r>
+                <a:rPr lang="en-US" sz="1600" i="1" dirty="0" smtClean="0">
+                  <a:solidFill>
+                    <a:schemeClr val="tx2"/>
+                  </a:solidFill>
+                  <a:latin typeface="Consolas" panose="020B0609020204030204" pitchFamily="49" charset="0"/>
+                  <a:cs typeface="Consolas" panose="020B0609020204030204" pitchFamily="49" charset="0"/>
+                </a:rPr>
+                <a:t>iteration</a:t>
+              </a:r>
+              <a:endParaRPr lang="en-US" sz="1600" dirty="0">
                 <a:solidFill>
                   <a:schemeClr val="tx2"/>
                 </a:solidFill>
                 <a:latin typeface="Consolas" panose="020B0609020204030204" pitchFamily="49" charset="0"/>
                 <a:cs typeface="Consolas" panose="020B0609020204030204" pitchFamily="49" charset="0"/>
-              </a:rPr>
-              <a:t>function </a:t>
-            </a:r>
-            <a:r>
-              <a:rPr lang="en-US" sz="1600" dirty="0" smtClean="0">
-                <a:solidFill>
-                  <a:schemeClr val="tx2"/>
-                </a:solidFill>
-                <a:latin typeface="Consolas" panose="020B0609020204030204" pitchFamily="49" charset="0"/>
-                <a:cs typeface="Consolas" panose="020B0609020204030204" pitchFamily="49" charset="0"/>
-              </a:rPr>
-              <a:t>summation(x</a:t>
-            </a:r>
-            <a:r>
-              <a:rPr lang="en-US" sz="1600" dirty="0">
-                <a:solidFill>
-                  <a:schemeClr val="tx2"/>
-                </a:solidFill>
-                <a:latin typeface="Consolas" panose="020B0609020204030204" pitchFamily="49" charset="0"/>
-                <a:cs typeface="Consolas" panose="020B0609020204030204" pitchFamily="49" charset="0"/>
-              </a:rPr>
-              <a:t>::Array{Float32,1})</a:t>
-            </a:r>
-          </a:p>
-          <a:p>
-            <a:r>
-              <a:rPr lang="en-US" sz="1600" dirty="0">
-                <a:solidFill>
-                  <a:schemeClr val="tx2"/>
-                </a:solidFill>
-                <a:latin typeface="Consolas" panose="020B0609020204030204" pitchFamily="49" charset="0"/>
-                <a:cs typeface="Consolas" panose="020B0609020204030204" pitchFamily="49" charset="0"/>
-              </a:rPr>
-              <a:t>    t =(0f0,0f0,0f0,0f0)</a:t>
-            </a:r>
-          </a:p>
-          <a:p>
-            <a:r>
-              <a:rPr lang="en-US" sz="1600" dirty="0">
-                <a:solidFill>
-                  <a:schemeClr val="tx2"/>
-                </a:solidFill>
-                <a:latin typeface="Consolas" panose="020B0609020204030204" pitchFamily="49" charset="0"/>
-                <a:cs typeface="Consolas" panose="020B0609020204030204" pitchFamily="49" charset="0"/>
-              </a:rPr>
-              <a:t>    @inbounds for </a:t>
-            </a:r>
-            <a:r>
-              <a:rPr lang="en-US" sz="1600" dirty="0" smtClean="0">
-                <a:solidFill>
-                  <a:schemeClr val="tx2"/>
-                </a:solidFill>
-                <a:latin typeface="Consolas" panose="020B0609020204030204" pitchFamily="49" charset="0"/>
-                <a:cs typeface="Consolas" panose="020B0609020204030204" pitchFamily="49" charset="0"/>
-              </a:rPr>
-              <a:t>i=1:4:length(x)</a:t>
-            </a:r>
-          </a:p>
-          <a:p>
-            <a:r>
-              <a:rPr lang="en-US" sz="1600" i="1" dirty="0" smtClean="0">
-                <a:solidFill>
-                  <a:schemeClr val="tx2"/>
-                </a:solidFill>
-                <a:latin typeface="Consolas" panose="020B0609020204030204" pitchFamily="49" charset="0"/>
-                <a:cs typeface="Consolas" panose="020B0609020204030204" pitchFamily="49" charset="0"/>
-              </a:rPr>
-              <a:t>        # </a:t>
-            </a:r>
-            <a:r>
-              <a:rPr lang="en-US" sz="1600" i="1" dirty="0">
-                <a:solidFill>
-                  <a:schemeClr val="tx2"/>
-                </a:solidFill>
-                <a:latin typeface="Consolas" panose="020B0609020204030204" pitchFamily="49" charset="0"/>
-                <a:cs typeface="Consolas" panose="020B0609020204030204" pitchFamily="49" charset="0"/>
-              </a:rPr>
-              <a:t>Four logical iterations per physical </a:t>
-            </a:r>
-            <a:r>
-              <a:rPr lang="en-US" sz="1600" i="1" dirty="0" smtClean="0">
-                <a:solidFill>
-                  <a:schemeClr val="tx2"/>
-                </a:solidFill>
-                <a:latin typeface="Consolas" panose="020B0609020204030204" pitchFamily="49" charset="0"/>
-                <a:cs typeface="Consolas" panose="020B0609020204030204" pitchFamily="49" charset="0"/>
-              </a:rPr>
-              <a:t>iteration</a:t>
-            </a:r>
-            <a:endParaRPr lang="en-US" sz="1600" dirty="0">
-              <a:solidFill>
-                <a:schemeClr val="tx2"/>
-              </a:solidFill>
-              <a:latin typeface="Consolas" panose="020B0609020204030204" pitchFamily="49" charset="0"/>
-              <a:cs typeface="Consolas" panose="020B0609020204030204" pitchFamily="49" charset="0"/>
-            </a:endParaRPr>
-          </a:p>
-          <a:p>
-            <a:r>
-              <a:rPr lang="en-US" sz="1600" dirty="0">
-                <a:solidFill>
-                  <a:schemeClr val="tx2"/>
-                </a:solidFill>
-                <a:latin typeface="Consolas" panose="020B0609020204030204" pitchFamily="49" charset="0"/>
-                <a:cs typeface="Consolas" panose="020B0609020204030204" pitchFamily="49" charset="0"/>
-              </a:rPr>
-              <a:t>        t += (x[i],x[i+1],x[i+2],x[i+3])</a:t>
-            </a:r>
-          </a:p>
-          <a:p>
-            <a:r>
-              <a:rPr lang="en-US" sz="1600" dirty="0">
-                <a:solidFill>
-                  <a:schemeClr val="tx2"/>
-                </a:solidFill>
-                <a:latin typeface="Consolas" panose="020B0609020204030204" pitchFamily="49" charset="0"/>
-                <a:cs typeface="Consolas" panose="020B0609020204030204" pitchFamily="49" charset="0"/>
-              </a:rPr>
-              <a:t>    end</a:t>
-            </a:r>
-          </a:p>
-          <a:p>
-            <a:r>
-              <a:rPr lang="en-US" sz="1600" dirty="0">
-                <a:solidFill>
-                  <a:schemeClr val="tx2"/>
-                </a:solidFill>
-                <a:latin typeface="Consolas" panose="020B0609020204030204" pitchFamily="49" charset="0"/>
-                <a:cs typeface="Consolas" panose="020B0609020204030204" pitchFamily="49" charset="0"/>
-              </a:rPr>
-              <a:t>    s = (t[1]+t[2]) + (t[3]+t[4])</a:t>
-            </a:r>
-          </a:p>
-          <a:p>
-            <a:r>
-              <a:rPr lang="en-US" sz="1600" dirty="0" smtClean="0">
-                <a:solidFill>
-                  <a:schemeClr val="tx2"/>
-                </a:solidFill>
-                <a:latin typeface="Consolas" panose="020B0609020204030204" pitchFamily="49" charset="0"/>
-                <a:cs typeface="Consolas" panose="020B0609020204030204" pitchFamily="49" charset="0"/>
-              </a:rPr>
-              <a:t>    ... </a:t>
-            </a:r>
-            <a:r>
-              <a:rPr lang="en-US" sz="1600" i="1" dirty="0">
-                <a:solidFill>
-                  <a:schemeClr val="tx2"/>
-                </a:solidFill>
-                <a:latin typeface="Consolas" panose="020B0609020204030204" pitchFamily="49" charset="0"/>
-                <a:cs typeface="Consolas" panose="020B0609020204030204" pitchFamily="49" charset="0"/>
-              </a:rPr>
-              <a:t>deal with remaining iterations </a:t>
-            </a:r>
-            <a:r>
-              <a:rPr lang="en-US" sz="1600" dirty="0">
-                <a:solidFill>
-                  <a:schemeClr val="tx2"/>
-                </a:solidFill>
-                <a:latin typeface="Consolas" panose="020B0609020204030204" pitchFamily="49" charset="0"/>
-                <a:cs typeface="Consolas" panose="020B0609020204030204" pitchFamily="49" charset="0"/>
-              </a:rPr>
-              <a:t>...</a:t>
-            </a:r>
-          </a:p>
-          <a:p>
-            <a:r>
-              <a:rPr lang="en-US" sz="1600" dirty="0">
-                <a:solidFill>
-                  <a:schemeClr val="tx2"/>
-                </a:solidFill>
-                <a:latin typeface="Consolas" panose="020B0609020204030204" pitchFamily="49" charset="0"/>
-                <a:cs typeface="Consolas" panose="020B0609020204030204" pitchFamily="49" charset="0"/>
-              </a:rPr>
-              <a:t>    s</a:t>
-            </a:r>
-          </a:p>
-          <a:p>
-            <a:r>
-              <a:rPr lang="en-US" sz="1600" dirty="0">
-                <a:solidFill>
-                  <a:schemeClr val="tx2"/>
-                </a:solidFill>
-                <a:latin typeface="Consolas" panose="020B0609020204030204" pitchFamily="49" charset="0"/>
-                <a:cs typeface="Consolas" panose="020B0609020204030204" pitchFamily="49" charset="0"/>
-              </a:rPr>
-              <a:t>end</a:t>
-            </a:r>
-          </a:p>
-        </p:txBody>
-      </p:sp>
-      <p:sp>
-        <p:nvSpPr>
-          <p:cNvPr id="8" name="TextBox 7"/>
-          <p:cNvSpPr txBox="1"/>
-          <p:nvPr/>
-        </p:nvSpPr>
-        <p:spPr>
-          <a:xfrm>
-            <a:off x="455613" y="6286913"/>
-            <a:ext cx="4347499" cy="338554"/>
-          </a:xfrm>
-          <a:prstGeom prst="rect">
-            <a:avLst/>
-          </a:prstGeom>
-          <a:noFill/>
-        </p:spPr>
-        <p:txBody>
-          <a:bodyPr wrap="square" rtlCol="0">
-            <a:spAutoFit/>
-          </a:bodyPr>
-          <a:lstStyle/>
-          <a:p>
-            <a:r>
-              <a:rPr lang="en-US" sz="1600" dirty="0" smtClean="0">
-                <a:solidFill>
-                  <a:schemeClr val="tx2"/>
-                </a:solidFill>
-                <a:cs typeface="Neo Sans Intel"/>
-              </a:rPr>
-              <a:t>Note: example assumes tuple math exists.</a:t>
-            </a:r>
-          </a:p>
-        </p:txBody>
-      </p:sp>
+              </a:endParaRPr>
+            </a:p>
+            <a:p>
+              <a:r>
+                <a:rPr lang="en-US" sz="1600" dirty="0">
+                  <a:solidFill>
+                    <a:schemeClr val="tx2"/>
+                  </a:solidFill>
+                  <a:latin typeface="Consolas" panose="020B0609020204030204" pitchFamily="49" charset="0"/>
+                  <a:cs typeface="Consolas" panose="020B0609020204030204" pitchFamily="49" charset="0"/>
+                </a:rPr>
+                <a:t>        t += (x[i],x[i+1],x[i+2],x[i+3])</a:t>
+              </a:r>
+            </a:p>
+            <a:p>
+              <a:r>
+                <a:rPr lang="en-US" sz="1600" dirty="0">
+                  <a:solidFill>
+                    <a:schemeClr val="tx2"/>
+                  </a:solidFill>
+                  <a:latin typeface="Consolas" panose="020B0609020204030204" pitchFamily="49" charset="0"/>
+                  <a:cs typeface="Consolas" panose="020B0609020204030204" pitchFamily="49" charset="0"/>
+                </a:rPr>
+                <a:t>    end</a:t>
+              </a:r>
+            </a:p>
+            <a:p>
+              <a:r>
+                <a:rPr lang="en-US" sz="1600" dirty="0">
+                  <a:solidFill>
+                    <a:schemeClr val="tx2"/>
+                  </a:solidFill>
+                  <a:latin typeface="Consolas" panose="020B0609020204030204" pitchFamily="49" charset="0"/>
+                  <a:cs typeface="Consolas" panose="020B0609020204030204" pitchFamily="49" charset="0"/>
+                </a:rPr>
+                <a:t>    s = (t[1]+t[2]) + (t[3]+t[4])</a:t>
+              </a:r>
+            </a:p>
+            <a:p>
+              <a:r>
+                <a:rPr lang="en-US" sz="1600" dirty="0" smtClean="0">
+                  <a:solidFill>
+                    <a:schemeClr val="tx2"/>
+                  </a:solidFill>
+                  <a:latin typeface="Consolas" panose="020B0609020204030204" pitchFamily="49" charset="0"/>
+                  <a:cs typeface="Consolas" panose="020B0609020204030204" pitchFamily="49" charset="0"/>
+                </a:rPr>
+                <a:t>    ... </a:t>
+              </a:r>
+              <a:r>
+                <a:rPr lang="en-US" sz="1600" i="1" dirty="0">
+                  <a:solidFill>
+                    <a:schemeClr val="tx2"/>
+                  </a:solidFill>
+                  <a:latin typeface="Consolas" panose="020B0609020204030204" pitchFamily="49" charset="0"/>
+                  <a:cs typeface="Consolas" panose="020B0609020204030204" pitchFamily="49" charset="0"/>
+                </a:rPr>
+                <a:t>deal with remaining iterations </a:t>
+              </a:r>
+              <a:r>
+                <a:rPr lang="en-US" sz="1600" dirty="0">
+                  <a:solidFill>
+                    <a:schemeClr val="tx2"/>
+                  </a:solidFill>
+                  <a:latin typeface="Consolas" panose="020B0609020204030204" pitchFamily="49" charset="0"/>
+                  <a:cs typeface="Consolas" panose="020B0609020204030204" pitchFamily="49" charset="0"/>
+                </a:rPr>
+                <a:t>...</a:t>
+              </a:r>
+            </a:p>
+            <a:p>
+              <a:r>
+                <a:rPr lang="en-US" sz="1600" dirty="0">
+                  <a:solidFill>
+                    <a:schemeClr val="tx2"/>
+                  </a:solidFill>
+                  <a:latin typeface="Consolas" panose="020B0609020204030204" pitchFamily="49" charset="0"/>
+                  <a:cs typeface="Consolas" panose="020B0609020204030204" pitchFamily="49" charset="0"/>
+                </a:rPr>
+                <a:t>    s</a:t>
+              </a:r>
+            </a:p>
+            <a:p>
+              <a:r>
+                <a:rPr lang="en-US" sz="1600" dirty="0">
+                  <a:solidFill>
+                    <a:schemeClr val="tx2"/>
+                  </a:solidFill>
+                  <a:latin typeface="Consolas" panose="020B0609020204030204" pitchFamily="49" charset="0"/>
+                  <a:cs typeface="Consolas" panose="020B0609020204030204" pitchFamily="49" charset="0"/>
+                </a:rPr>
+                <a:t>end</a:t>
+              </a:r>
+            </a:p>
+          </p:txBody>
+        </p:sp>
+        <p:sp>
+          <p:nvSpPr>
+            <p:cNvPr id="8" name="TextBox 7"/>
+            <p:cNvSpPr txBox="1"/>
+            <p:nvPr/>
+          </p:nvSpPr>
+          <p:spPr>
+            <a:xfrm>
+              <a:off x="455613" y="6286913"/>
+              <a:ext cx="4347499" cy="338554"/>
+            </a:xfrm>
+            <a:prstGeom prst="rect">
+              <a:avLst/>
+            </a:prstGeom>
+            <a:noFill/>
+          </p:spPr>
+          <p:txBody>
+            <a:bodyPr wrap="square" rtlCol="0">
+              <a:spAutoFit/>
+            </a:bodyPr>
+            <a:lstStyle/>
+            <a:p>
+              <a:r>
+                <a:rPr lang="en-US" sz="1600" dirty="0" smtClean="0">
+                  <a:solidFill>
+                    <a:schemeClr val="tx2"/>
+                  </a:solidFill>
+                  <a:cs typeface="Neo Sans Intel"/>
+                </a:rPr>
+                <a:t>Note: example assumes tuple math exists.</a:t>
+              </a:r>
+            </a:p>
+          </p:txBody>
+        </p:sp>
+      </p:grpSp>
     </p:spTree>
     <p:extLst>
       <p:ext uri="{BB962C8B-B14F-4D97-AF65-F5344CB8AC3E}">
@@ -11196,7 +11240,75 @@
   <p:timing>
     <p:tnLst>
       <p:par>
-        <p:cTn id="1" dur="indefinite" restart="never" nodeType="tmRoot"/>
+        <p:cTn id="1" dur="indefinite" restart="never" nodeType="tmRoot">
+          <p:childTnLst>
+            <p:seq concurrent="1" nextAc="seek">
+              <p:cTn id="2" dur="indefinite" nodeType="mainSeq">
+                <p:childTnLst>
+                  <p:par>
+                    <p:cTn id="3" fill="hold">
+                      <p:stCondLst>
+                        <p:cond delay="indefinite"/>
+                      </p:stCondLst>
+                      <p:childTnLst>
+                        <p:par>
+                          <p:cTn id="4" fill="hold">
+                            <p:stCondLst>
+                              <p:cond delay="0"/>
+                            </p:stCondLst>
+                            <p:childTnLst>
+                              <p:par>
+                                <p:cTn id="5" presetID="1" presetClass="entr" presetSubtype="0" fill="hold" nodeType="clickEffect">
+                                  <p:stCondLst>
+                                    <p:cond delay="0"/>
+                                  </p:stCondLst>
+                                  <p:childTnLst>
+                                    <p:set>
+                                      <p:cBhvr>
+                                        <p:cTn id="6" dur="1" fill="hold">
+                                          <p:stCondLst>
+                                            <p:cond delay="0"/>
+                                          </p:stCondLst>
+                                        </p:cTn>
+                                        <p:tgtEl>
+                                          <p:spTgt spid="2"/>
+                                        </p:tgtEl>
+                                        <p:attrNameLst>
+                                          <p:attrName>style.visibility</p:attrName>
+                                        </p:attrNameLst>
+                                      </p:cBhvr>
+                                      <p:to>
+                                        <p:strVal val="visible"/>
+                                      </p:to>
+                                    </p:set>
+                                  </p:childTnLst>
+                                </p:cTn>
+                              </p:par>
+                            </p:childTnLst>
+                          </p:cTn>
+                        </p:par>
+                      </p:childTnLst>
+                    </p:cTn>
+                  </p:par>
+                </p:childTnLst>
+              </p:cTn>
+              <p:prevCondLst>
+                <p:cond evt="onPrev" delay="0">
+                  <p:tgtEl>
+                    <p:sldTgt/>
+                  </p:tgtEl>
+                </p:cond>
+              </p:prevCondLst>
+              <p:nextCondLst>
+                <p:cond evt="onNext" delay="0">
+                  <p:tgtEl>
+                    <p:sldTgt/>
+                  </p:tgtEl>
+                </p:cond>
+              </p:nextCondLst>
+            </p:seq>
+          </p:childTnLst>
+        </p:cTn>
       </p:par>
     </p:tnLst>
   </p:timing>
@@ -30531,38 +30643,487 @@
       </p:sp>
       <p:grpSp>
         <p:nvGrpSpPr>
-          <p:cNvPr id="8" name="Group 7"/>
+          <p:cNvPr id="10" name="Group 9"/>
           <p:cNvGrpSpPr/>
           <p:nvPr/>
         </p:nvGrpSpPr>
         <p:grpSpPr>
           <a:xfrm>
-            <a:off x="462225" y="2636115"/>
-            <a:ext cx="8111619" cy="3371445"/>
-            <a:chOff x="462225" y="2636115"/>
-            <a:chExt cx="8111619" cy="3371445"/>
+            <a:off x="455613" y="2636115"/>
+            <a:ext cx="8118231" cy="3879675"/>
+            <a:chOff x="455613" y="2636115"/>
+            <a:chExt cx="8118231" cy="3879675"/>
           </a:xfrm>
         </p:grpSpPr>
+        <p:grpSp>
+          <p:nvGrpSpPr>
+            <p:cNvPr id="8" name="Group 7"/>
+            <p:cNvGrpSpPr/>
+            <p:nvPr/>
+          </p:nvGrpSpPr>
+          <p:grpSpPr>
+            <a:xfrm>
+              <a:off x="462225" y="2636115"/>
+              <a:ext cx="8111619" cy="3371445"/>
+              <a:chOff x="462225" y="2636115"/>
+              <a:chExt cx="8111619" cy="3371445"/>
+            </a:xfrm>
+          </p:grpSpPr>
+          <p:sp>
+            <p:nvSpPr>
+              <p:cNvPr id="5" name="TextBox 4"/>
+              <p:cNvSpPr txBox="1"/>
+              <p:nvPr/>
+            </p:nvSpPr>
+            <p:spPr>
+              <a:xfrm>
+                <a:off x="462225" y="3206793"/>
+                <a:ext cx="8111619" cy="2800767"/>
+              </a:xfrm>
+              <a:prstGeom prst="rect">
+                <a:avLst/>
+              </a:prstGeom>
+              <a:noFill/>
+              <a:ln>
+                <a:solidFill>
+                  <a:schemeClr val="tx1"/>
+                </a:solidFill>
+              </a:ln>
+            </p:spPr>
+            <p:txBody>
+              <a:bodyPr wrap="square" rtlCol="0">
+                <a:spAutoFit/>
+              </a:bodyPr>
+              <a:lstStyle/>
+              <a:p>
+                <a:r>
+                  <a:rPr lang="en-US" sz="1600" dirty="0">
+                    <a:solidFill>
+                      <a:schemeClr val="tx2"/>
+                    </a:solidFill>
+                    <a:latin typeface="Consolas" panose="020B0609020204030204" pitchFamily="49" charset="0"/>
+                    <a:cs typeface="Consolas" panose="020B0609020204030204" pitchFamily="49" charset="0"/>
+                  </a:rPr>
+                  <a:t>function </a:t>
+                </a:r>
+                <a:r>
+                  <a:rPr lang="en-US" sz="1600" dirty="0" err="1" smtClean="0">
+                    <a:solidFill>
+                      <a:schemeClr val="tx2"/>
+                    </a:solidFill>
+                    <a:latin typeface="Consolas" panose="020B0609020204030204" pitchFamily="49" charset="0"/>
+                    <a:cs typeface="Consolas" panose="020B0609020204030204" pitchFamily="49" charset="0"/>
+                  </a:rPr>
+                  <a:t>axpy</a:t>
+                </a:r>
+                <a:r>
+                  <a:rPr lang="en-US" sz="1600" dirty="0">
+                    <a:solidFill>
+                      <a:schemeClr val="tx2"/>
+                    </a:solidFill>
+                    <a:latin typeface="Consolas" panose="020B0609020204030204" pitchFamily="49" charset="0"/>
+                    <a:cs typeface="Consolas" panose="020B0609020204030204" pitchFamily="49" charset="0"/>
+                  </a:rPr>
+                  <a:t>( a::Float32, x::Array{Float32,1}, y::Array{Float32,1} )</a:t>
+                </a:r>
+              </a:p>
+              <a:p>
+                <a:r>
+                  <a:rPr lang="en-US" sz="1600" dirty="0" smtClean="0">
+                    <a:solidFill>
+                      <a:schemeClr val="tx2"/>
+                    </a:solidFill>
+                    <a:latin typeface="Consolas" panose="020B0609020204030204" pitchFamily="49" charset="0"/>
+                    <a:cs typeface="Consolas" panose="020B0609020204030204" pitchFamily="49" charset="0"/>
+                  </a:rPr>
+                  <a:t>    @</a:t>
+                </a:r>
+                <a:r>
+                  <a:rPr lang="en-US" sz="1600" dirty="0">
+                    <a:solidFill>
+                      <a:schemeClr val="tx2"/>
+                    </a:solidFill>
+                    <a:latin typeface="Consolas" panose="020B0609020204030204" pitchFamily="49" charset="0"/>
+                    <a:cs typeface="Consolas" panose="020B0609020204030204" pitchFamily="49" charset="0"/>
+                  </a:rPr>
+                  <a:t>inbounds </a:t>
+                </a:r>
+                <a:r>
+                  <a:rPr lang="en-US" sz="1600" dirty="0" smtClean="0">
+                    <a:solidFill>
+                      <a:schemeClr val="tx2"/>
+                    </a:solidFill>
+                    <a:latin typeface="Consolas" panose="020B0609020204030204" pitchFamily="49" charset="0"/>
+                    <a:cs typeface="Consolas" panose="020B0609020204030204" pitchFamily="49" charset="0"/>
+                  </a:rPr>
+                  <a:t>for i=1:</a:t>
+                </a:r>
+                <a:r>
+                  <a:rPr lang="en-US" sz="1600" b="1" dirty="0" smtClean="0">
+                    <a:solidFill>
+                      <a:schemeClr val="tx2"/>
+                    </a:solidFill>
+                    <a:latin typeface="Consolas" panose="020B0609020204030204" pitchFamily="49" charset="0"/>
+                    <a:cs typeface="Consolas" panose="020B0609020204030204" pitchFamily="49" charset="0"/>
+                  </a:rPr>
+                  <a:t>4</a:t>
+                </a:r>
+                <a:r>
+                  <a:rPr lang="en-US" sz="1600" dirty="0" smtClean="0">
+                    <a:solidFill>
+                      <a:schemeClr val="tx2"/>
+                    </a:solidFill>
+                    <a:latin typeface="Consolas" panose="020B0609020204030204" pitchFamily="49" charset="0"/>
+                    <a:cs typeface="Consolas" panose="020B0609020204030204" pitchFamily="49" charset="0"/>
+                  </a:rPr>
+                  <a:t>:length(x) </a:t>
+                </a:r>
+              </a:p>
+              <a:p>
+                <a:r>
+                  <a:rPr lang="en-US" sz="1600" i="1" dirty="0" smtClean="0">
+                    <a:solidFill>
+                      <a:schemeClr val="tx2"/>
+                    </a:solidFill>
+                    <a:latin typeface="Consolas" panose="020B0609020204030204" pitchFamily="49" charset="0"/>
+                    <a:cs typeface="Consolas" panose="020B0609020204030204" pitchFamily="49" charset="0"/>
+                  </a:rPr>
+                  <a:t>        # </a:t>
+                </a:r>
+                <a:r>
+                  <a:rPr lang="en-US" sz="1600" i="1" dirty="0">
+                    <a:solidFill>
+                      <a:schemeClr val="tx2"/>
+                    </a:solidFill>
+                    <a:latin typeface="Consolas" panose="020B0609020204030204" pitchFamily="49" charset="0"/>
+                    <a:cs typeface="Consolas" panose="020B0609020204030204" pitchFamily="49" charset="0"/>
+                  </a:rPr>
+                  <a:t>Four logical iterations per physical iteration</a:t>
+                </a:r>
+                <a:r>
+                  <a:rPr lang="en-US" sz="1600" dirty="0" smtClean="0">
+                    <a:solidFill>
+                      <a:schemeClr val="tx2"/>
+                    </a:solidFill>
+                    <a:latin typeface="Consolas" panose="020B0609020204030204" pitchFamily="49" charset="0"/>
+                    <a:cs typeface="Consolas" panose="020B0609020204030204" pitchFamily="49" charset="0"/>
+                  </a:rPr>
+                  <a:t>        </a:t>
+                </a:r>
+              </a:p>
+              <a:p>
+                <a:r>
+                  <a:rPr lang="en-US" sz="1600" dirty="0">
+                    <a:solidFill>
+                      <a:schemeClr val="tx2"/>
+                    </a:solidFill>
+                    <a:latin typeface="Consolas" panose="020B0609020204030204" pitchFamily="49" charset="0"/>
+                    <a:cs typeface="Consolas" panose="020B0609020204030204" pitchFamily="49" charset="0"/>
+                  </a:rPr>
+                  <a:t> </a:t>
+                </a:r>
+                <a:r>
+                  <a:rPr lang="en-US" sz="1600" dirty="0" smtClean="0">
+                    <a:solidFill>
+                      <a:schemeClr val="tx2"/>
+                    </a:solidFill>
+                    <a:latin typeface="Consolas" panose="020B0609020204030204" pitchFamily="49" charset="0"/>
+                    <a:cs typeface="Consolas" panose="020B0609020204030204" pitchFamily="49" charset="0"/>
+                  </a:rPr>
+                  <a:t>       t1 </a:t>
+                </a:r>
+                <a:r>
+                  <a:rPr lang="en-US" sz="1600" dirty="0">
+                    <a:solidFill>
+                      <a:schemeClr val="tx2"/>
+                    </a:solidFill>
+                    <a:latin typeface="Consolas" panose="020B0609020204030204" pitchFamily="49" charset="0"/>
+                    <a:cs typeface="Consolas" panose="020B0609020204030204" pitchFamily="49" charset="0"/>
+                  </a:rPr>
+                  <a:t>= (x[i],x[i+1],x[i+2],x[i+3])   </a:t>
+                </a:r>
+                <a:r>
+                  <a:rPr lang="en-US" sz="1600" i="1" dirty="0">
+                    <a:solidFill>
+                      <a:schemeClr val="tx2"/>
+                    </a:solidFill>
+                    <a:latin typeface="Consolas" panose="020B0609020204030204" pitchFamily="49" charset="0"/>
+                    <a:cs typeface="Consolas" panose="020B0609020204030204" pitchFamily="49" charset="0"/>
+                  </a:rPr>
+                  <a:t># Load tuple</a:t>
+                </a:r>
+              </a:p>
+              <a:p>
+                <a:r>
+                  <a:rPr lang="en-US" sz="1600" dirty="0">
+                    <a:solidFill>
+                      <a:schemeClr val="tx2"/>
+                    </a:solidFill>
+                    <a:latin typeface="Consolas" panose="020B0609020204030204" pitchFamily="49" charset="0"/>
+                    <a:cs typeface="Consolas" panose="020B0609020204030204" pitchFamily="49" charset="0"/>
+                  </a:rPr>
+                  <a:t>        t2 = (y[i],y[i+1],y[i+2],y[i+3])   </a:t>
+                </a:r>
+                <a:r>
+                  <a:rPr lang="en-US" sz="1600" i="1" dirty="0">
+                    <a:solidFill>
+                      <a:schemeClr val="tx2"/>
+                    </a:solidFill>
+                    <a:latin typeface="Consolas" panose="020B0609020204030204" pitchFamily="49" charset="0"/>
+                    <a:cs typeface="Consolas" panose="020B0609020204030204" pitchFamily="49" charset="0"/>
+                  </a:rPr>
+                  <a:t># Load tuple</a:t>
+                </a:r>
+              </a:p>
+              <a:p>
+                <a:r>
+                  <a:rPr lang="en-US" sz="1600" dirty="0">
+                    <a:solidFill>
+                      <a:schemeClr val="tx2"/>
+                    </a:solidFill>
+                    <a:latin typeface="Consolas" panose="020B0609020204030204" pitchFamily="49" charset="0"/>
+                    <a:cs typeface="Consolas" panose="020B0609020204030204" pitchFamily="49" charset="0"/>
+                  </a:rPr>
+                  <a:t>        t3 = </a:t>
+                </a:r>
+                <a:r>
+                  <a:rPr lang="en-US" sz="1600" dirty="0" smtClean="0">
+                    <a:solidFill>
+                      <a:schemeClr val="tx2"/>
+                    </a:solidFill>
+                    <a:latin typeface="Consolas" panose="020B0609020204030204" pitchFamily="49" charset="0"/>
+                    <a:cs typeface="Consolas" panose="020B0609020204030204" pitchFamily="49" charset="0"/>
+                  </a:rPr>
+                  <a:t>a*t1                          </a:t>
+                </a:r>
+                <a:r>
+                  <a:rPr lang="en-US" sz="1600" i="1" dirty="0">
+                    <a:solidFill>
+                      <a:schemeClr val="tx2"/>
+                    </a:solidFill>
+                    <a:latin typeface="Consolas" panose="020B0609020204030204" pitchFamily="49" charset="0"/>
+                    <a:cs typeface="Consolas" panose="020B0609020204030204" pitchFamily="49" charset="0"/>
+                  </a:rPr>
+                  <a:t># Scalar times tuple</a:t>
+                </a:r>
+              </a:p>
+              <a:p>
+                <a:r>
+                  <a:rPr lang="en-US" sz="1600" dirty="0">
+                    <a:solidFill>
+                      <a:schemeClr val="tx2"/>
+                    </a:solidFill>
+                    <a:latin typeface="Consolas" panose="020B0609020204030204" pitchFamily="49" charset="0"/>
+                    <a:cs typeface="Consolas" panose="020B0609020204030204" pitchFamily="49" charset="0"/>
+                  </a:rPr>
+                  <a:t>        t4 = </a:t>
+                </a:r>
+                <a:r>
+                  <a:rPr lang="en-US" sz="1600" dirty="0" smtClean="0">
+                    <a:solidFill>
+                      <a:schemeClr val="tx2"/>
+                    </a:solidFill>
+                    <a:latin typeface="Consolas" panose="020B0609020204030204" pitchFamily="49" charset="0"/>
+                    <a:cs typeface="Consolas" panose="020B0609020204030204" pitchFamily="49" charset="0"/>
+                  </a:rPr>
+                  <a:t>t2+t3                         </a:t>
+                </a:r>
+                <a:r>
+                  <a:rPr lang="en-US" sz="1600" i="1" dirty="0" smtClean="0">
+                    <a:solidFill>
+                      <a:schemeClr val="tx2"/>
+                    </a:solidFill>
+                    <a:latin typeface="Consolas" panose="020B0609020204030204" pitchFamily="49" charset="0"/>
+                    <a:cs typeface="Consolas" panose="020B0609020204030204" pitchFamily="49" charset="0"/>
+                  </a:rPr>
+                  <a:t># </a:t>
+                </a:r>
+                <a:r>
+                  <a:rPr lang="en-US" sz="1600" i="1" dirty="0">
+                    <a:solidFill>
+                      <a:schemeClr val="tx2"/>
+                    </a:solidFill>
+                    <a:latin typeface="Consolas" panose="020B0609020204030204" pitchFamily="49" charset="0"/>
+                    <a:cs typeface="Consolas" panose="020B0609020204030204" pitchFamily="49" charset="0"/>
+                  </a:rPr>
+                  <a:t>Tuple add</a:t>
+                </a:r>
+              </a:p>
+              <a:p>
+                <a:r>
+                  <a:rPr lang="en-US" sz="1600" dirty="0">
+                    <a:solidFill>
+                      <a:schemeClr val="tx2"/>
+                    </a:solidFill>
+                    <a:latin typeface="Consolas" panose="020B0609020204030204" pitchFamily="49" charset="0"/>
+                    <a:cs typeface="Consolas" panose="020B0609020204030204" pitchFamily="49" charset="0"/>
+                  </a:rPr>
+                  <a:t>        (y[i],y[i+1],y[i+2],y[i+3]) = t4   </a:t>
+                </a:r>
+                <a:r>
+                  <a:rPr lang="en-US" sz="1600" i="1" dirty="0">
+                    <a:solidFill>
+                      <a:schemeClr val="tx2"/>
+                    </a:solidFill>
+                    <a:latin typeface="Consolas" panose="020B0609020204030204" pitchFamily="49" charset="0"/>
+                    <a:cs typeface="Consolas" panose="020B0609020204030204" pitchFamily="49" charset="0"/>
+                  </a:rPr>
+                  <a:t># Tuple store</a:t>
+                </a:r>
+              </a:p>
+              <a:p>
+                <a:r>
+                  <a:rPr lang="en-US" sz="1600" dirty="0" smtClean="0">
+                    <a:solidFill>
+                      <a:schemeClr val="tx2"/>
+                    </a:solidFill>
+                    <a:latin typeface="Consolas" panose="020B0609020204030204" pitchFamily="49" charset="0"/>
+                    <a:cs typeface="Consolas" panose="020B0609020204030204" pitchFamily="49" charset="0"/>
+                  </a:rPr>
+                  <a:t>    end</a:t>
+                </a:r>
+                <a:endParaRPr lang="en-US" sz="1600" dirty="0">
+                  <a:solidFill>
+                    <a:schemeClr val="tx2"/>
+                  </a:solidFill>
+                  <a:latin typeface="Consolas" panose="020B0609020204030204" pitchFamily="49" charset="0"/>
+                  <a:cs typeface="Consolas" panose="020B0609020204030204" pitchFamily="49" charset="0"/>
+                </a:endParaRPr>
+              </a:p>
+              <a:p>
+                <a:r>
+                  <a:rPr lang="en-US" sz="1600" dirty="0" smtClean="0">
+                    <a:solidFill>
+                      <a:schemeClr val="tx2"/>
+                    </a:solidFill>
+                    <a:latin typeface="Consolas" panose="020B0609020204030204" pitchFamily="49" charset="0"/>
+                    <a:cs typeface="Consolas" panose="020B0609020204030204" pitchFamily="49" charset="0"/>
+                  </a:rPr>
+                  <a:t>    </a:t>
+                </a:r>
+                <a:r>
+                  <a:rPr lang="en-US" sz="1600" i="1" dirty="0" smtClean="0">
+                    <a:solidFill>
+                      <a:schemeClr val="tx2"/>
+                    </a:solidFill>
+                    <a:latin typeface="Consolas" panose="020B0609020204030204" pitchFamily="49" charset="0"/>
+                    <a:cs typeface="Consolas" panose="020B0609020204030204" pitchFamily="49" charset="0"/>
+                  </a:rPr>
+                  <a:t>... </a:t>
+                </a:r>
+                <a:r>
+                  <a:rPr lang="en-US" sz="1600" i="1" dirty="0">
+                    <a:solidFill>
+                      <a:schemeClr val="tx2"/>
+                    </a:solidFill>
+                    <a:latin typeface="Consolas" panose="020B0609020204030204" pitchFamily="49" charset="0"/>
+                    <a:cs typeface="Consolas" panose="020B0609020204030204" pitchFamily="49" charset="0"/>
+                  </a:rPr>
+                  <a:t>Scalar loop for remaining </a:t>
+                </a:r>
+                <a:r>
+                  <a:rPr lang="en-US" sz="1600" i="1" dirty="0" smtClean="0">
+                    <a:solidFill>
+                      <a:schemeClr val="tx2"/>
+                    </a:solidFill>
+                    <a:latin typeface="Consolas" panose="020B0609020204030204" pitchFamily="49" charset="0"/>
+                    <a:cs typeface="Consolas" panose="020B0609020204030204" pitchFamily="49" charset="0"/>
+                  </a:rPr>
+                  <a:t>iterations ...</a:t>
+                </a:r>
+                <a:endParaRPr lang="en-US" sz="1600" dirty="0">
+                  <a:solidFill>
+                    <a:schemeClr val="tx2"/>
+                  </a:solidFill>
+                  <a:latin typeface="Consolas" panose="020B0609020204030204" pitchFamily="49" charset="0"/>
+                  <a:cs typeface="Consolas" panose="020B0609020204030204" pitchFamily="49" charset="0"/>
+                </a:endParaRPr>
+              </a:p>
+              <a:p>
+                <a:r>
+                  <a:rPr lang="en-US" sz="1600" dirty="0">
+                    <a:solidFill>
+                      <a:schemeClr val="tx2"/>
+                    </a:solidFill>
+                    <a:latin typeface="Consolas" panose="020B0609020204030204" pitchFamily="49" charset="0"/>
+                    <a:cs typeface="Consolas" panose="020B0609020204030204" pitchFamily="49" charset="0"/>
+                  </a:rPr>
+                  <a:t>end</a:t>
+                </a:r>
+                <a:endParaRPr lang="en-US" sz="1600" dirty="0" smtClean="0">
+                  <a:solidFill>
+                    <a:schemeClr val="tx2"/>
+                  </a:solidFill>
+                  <a:latin typeface="Consolas" panose="020B0609020204030204" pitchFamily="49" charset="0"/>
+                  <a:cs typeface="Consolas" panose="020B0609020204030204" pitchFamily="49" charset="0"/>
+                </a:endParaRPr>
+              </a:p>
+            </p:txBody>
+          </p:sp>
+          <p:sp>
+            <p:nvSpPr>
+              <p:cNvPr id="6" name="Down Arrow 5"/>
+              <p:cNvSpPr/>
+              <p:nvPr/>
+            </p:nvSpPr>
+            <p:spPr>
+              <a:xfrm>
+                <a:off x="2237713" y="2636115"/>
+                <a:ext cx="573221" cy="570678"/>
+              </a:xfrm>
+              <a:prstGeom prst="downArrow">
+                <a:avLst>
+                  <a:gd name="adj1" fmla="val 38184"/>
+                  <a:gd name="adj2" fmla="val 50000"/>
+                </a:avLst>
+              </a:prstGeom>
+              <a:solidFill>
+                <a:schemeClr val="accent2"/>
+              </a:solidFill>
+              <a:ln>
+                <a:noFill/>
+              </a:ln>
+              <a:effectLst/>
+            </p:spPr>
+            <p:style>
+              <a:lnRef idx="1">
+                <a:schemeClr val="accent1"/>
+              </a:lnRef>
+              <a:fillRef idx="3">
+                <a:schemeClr val="accent1"/>
+              </a:fillRef>
+              <a:effectRef idx="2">
+                <a:schemeClr val="accent1"/>
+              </a:effectRef>
+              <a:fontRef idx="minor">
+                <a:schemeClr val="lt1"/>
+              </a:fontRef>
+            </p:style>
+            <p:txBody>
+              <a:bodyPr rtlCol="0" anchor="ctr"/>
+              <a:lstStyle/>
+              <a:p>
+                <a:pPr algn="ctr"/>
+                <a:endParaRPr lang="en-US"/>
+              </a:p>
+            </p:txBody>
+          </p:sp>
+        </p:grpSp>
         <p:sp>
           <p:nvSpPr>
-            <p:cNvPr id="5" name="TextBox 4"/>
+            <p:cNvPr id="7" name="TextBox 6"/>
             <p:cNvSpPr txBox="1"/>
             <p:nvPr/>
           </p:nvSpPr>
           <p:spPr>
             <a:xfrm>
-              <a:off x="462225" y="3206793"/>
-              <a:ext cx="8111619" cy="2800767"/>
+              <a:off x="455613" y="6177236"/>
+              <a:ext cx="5250706" cy="338554"/>
             </a:xfrm>
             <a:prstGeom prst="rect">
               <a:avLst/>
             </a:prstGeom>
             <a:noFill/>
-            <a:ln>
-              <a:solidFill>
-                <a:schemeClr val="tx1"/>
-              </a:solidFill>
-            </a:ln>
           </p:spPr>
           <p:txBody>
             <a:bodyPr wrap="square" rtlCol="0">
@@ -30571,486 +31132,18 @@
             <a:lstStyle/>
             <a:p>
               <a:r>
-                <a:rPr lang="en-US" sz="1600" dirty="0">
-                  <a:solidFill>
-                    <a:schemeClr val="tx2"/>
-                  </a:solidFill>
-                  <a:latin typeface="Consolas" panose="020B0609020204030204" pitchFamily="49" charset="0"/>
-                  <a:cs typeface="Consolas" panose="020B0609020204030204" pitchFamily="49" charset="0"/>
-                </a:rPr>
-                <a:t>function </a:t>
-              </a:r>
-              <a:r>
-                <a:rPr lang="en-US" sz="1600" dirty="0" err="1" smtClean="0">
-                  <a:solidFill>
-                    <a:schemeClr val="tx2"/>
-                  </a:solidFill>
-                  <a:latin typeface="Consolas" panose="020B0609020204030204" pitchFamily="49" charset="0"/>
-                  <a:cs typeface="Consolas" panose="020B0609020204030204" pitchFamily="49" charset="0"/>
-                </a:rPr>
-                <a:t>axpy</a:t>
-              </a:r>
-              <a:r>
-                <a:rPr lang="en-US" sz="1600" dirty="0">
-                  <a:solidFill>
-                    <a:schemeClr val="tx2"/>
-                  </a:solidFill>
-                  <a:latin typeface="Consolas" panose="020B0609020204030204" pitchFamily="49" charset="0"/>
-                  <a:cs typeface="Consolas" panose="020B0609020204030204" pitchFamily="49" charset="0"/>
-                </a:rPr>
-                <a:t>( a::Float32, x::Array{Float32,1}, y::Array{Float32,1} )</a:t>
-              </a:r>
-            </a:p>
-            <a:p>
-              <a:r>
                 <a:rPr lang="en-US" sz="1600" dirty="0" smtClean="0">
                   <a:solidFill>
                     <a:schemeClr val="tx2"/>
                   </a:solidFill>
-                  <a:latin typeface="Consolas" panose="020B0609020204030204" pitchFamily="49" charset="0"/>
-                  <a:cs typeface="Consolas" panose="020B0609020204030204" pitchFamily="49" charset="0"/>
+                  <a:cs typeface="Neo Sans Intel"/>
                 </a:rPr>
-                <a:t>    @</a:t>
+                <a:t>Note: example assumes tuple math exists.</a:t>
               </a:r>
-              <a:r>
-                <a:rPr lang="en-US" sz="1600" dirty="0">
-                  <a:solidFill>
-                    <a:schemeClr val="tx2"/>
-                  </a:solidFill>
-                  <a:latin typeface="Consolas" panose="020B0609020204030204" pitchFamily="49" charset="0"/>
-                  <a:cs typeface="Consolas" panose="020B0609020204030204" pitchFamily="49" charset="0"/>
-                </a:rPr>
-                <a:t>inbounds </a:t>
-              </a:r>
-              <a:r>
-                <a:rPr lang="en-US" sz="1600" dirty="0" smtClean="0">
-                  <a:solidFill>
-                    <a:schemeClr val="tx2"/>
-                  </a:solidFill>
-                  <a:latin typeface="Consolas" panose="020B0609020204030204" pitchFamily="49" charset="0"/>
-                  <a:cs typeface="Consolas" panose="020B0609020204030204" pitchFamily="49" charset="0"/>
-                </a:rPr>
-                <a:t>for i=1:</a:t>
-              </a:r>
-              <a:r>
-                <a:rPr lang="en-US" sz="1600" b="1" dirty="0" smtClean="0">
-                  <a:solidFill>
-                    <a:schemeClr val="tx2"/>
-                  </a:solidFill>
-                  <a:latin typeface="Consolas" panose="020B0609020204030204" pitchFamily="49" charset="0"/>
-                  <a:cs typeface="Consolas" panose="020B0609020204030204" pitchFamily="49" charset="0"/>
-                </a:rPr>
-                <a:t>4</a:t>
-              </a:r>
-              <a:r>
-                <a:rPr lang="en-US" sz="1600" dirty="0" smtClean="0">
-                  <a:solidFill>
-                    <a:schemeClr val="tx2"/>
-                  </a:solidFill>
-                  <a:latin typeface="Consolas" panose="020B0609020204030204" pitchFamily="49" charset="0"/>
-                  <a:cs typeface="Consolas" panose="020B0609020204030204" pitchFamily="49" charset="0"/>
-                </a:rPr>
-                <a:t>:length(x) </a:t>
-              </a:r>
-            </a:p>
-            <a:p>
-              <a:r>
-                <a:rPr lang="en-US" sz="1600" i="1" dirty="0" smtClean="0">
-                  <a:solidFill>
-                    <a:schemeClr val="tx2"/>
-                  </a:solidFill>
-                  <a:latin typeface="Consolas" panose="020B0609020204030204" pitchFamily="49" charset="0"/>
-                  <a:cs typeface="Consolas" panose="020B0609020204030204" pitchFamily="49" charset="0"/>
-                </a:rPr>
-                <a:t>        # </a:t>
-              </a:r>
-              <a:r>
-                <a:rPr lang="en-US" sz="1600" i="1" dirty="0">
-                  <a:solidFill>
-                    <a:schemeClr val="tx2"/>
-                  </a:solidFill>
-                  <a:latin typeface="Consolas" panose="020B0609020204030204" pitchFamily="49" charset="0"/>
-                  <a:cs typeface="Consolas" panose="020B0609020204030204" pitchFamily="49" charset="0"/>
-                </a:rPr>
-                <a:t>Four logical iterations per physical iteration</a:t>
-              </a:r>
-              <a:r>
-                <a:rPr lang="en-US" sz="1600" dirty="0" smtClean="0">
-                  <a:solidFill>
-                    <a:schemeClr val="tx2"/>
-                  </a:solidFill>
-                  <a:latin typeface="Consolas" panose="020B0609020204030204" pitchFamily="49" charset="0"/>
-                  <a:cs typeface="Consolas" panose="020B0609020204030204" pitchFamily="49" charset="0"/>
-                </a:rPr>
-                <a:t>        </a:t>
-              </a:r>
-            </a:p>
-            <a:p>
-              <a:r>
-                <a:rPr lang="en-US" sz="1600" dirty="0">
-                  <a:solidFill>
-                    <a:schemeClr val="tx2"/>
-                  </a:solidFill>
-                  <a:latin typeface="Consolas" panose="020B0609020204030204" pitchFamily="49" charset="0"/>
-                  <a:cs typeface="Consolas" panose="020B0609020204030204" pitchFamily="49" charset="0"/>
-                </a:rPr>
-                <a:t> </a:t>
-              </a:r>
-              <a:r>
-                <a:rPr lang="en-US" sz="1600" dirty="0" smtClean="0">
-                  <a:solidFill>
-                    <a:schemeClr val="tx2"/>
-                  </a:solidFill>
-                  <a:latin typeface="Consolas" panose="020B0609020204030204" pitchFamily="49" charset="0"/>
-                  <a:cs typeface="Consolas" panose="020B0609020204030204" pitchFamily="49" charset="0"/>
-                </a:rPr>
-                <a:t>       t1 </a:t>
-              </a:r>
-              <a:r>
-                <a:rPr lang="en-US" sz="1600" dirty="0">
-                  <a:solidFill>
-                    <a:schemeClr val="tx2"/>
-                  </a:solidFill>
-                  <a:latin typeface="Consolas" panose="020B0609020204030204" pitchFamily="49" charset="0"/>
-                  <a:cs typeface="Consolas" panose="020B0609020204030204" pitchFamily="49" charset="0"/>
-                </a:rPr>
-                <a:t>= (x[i],x[i+1],x[i+2],x[i+3])   </a:t>
-              </a:r>
-              <a:r>
-                <a:rPr lang="en-US" sz="1600" i="1" dirty="0">
-                  <a:solidFill>
-                    <a:schemeClr val="tx2"/>
-                  </a:solidFill>
-                  <a:latin typeface="Consolas" panose="020B0609020204030204" pitchFamily="49" charset="0"/>
-                  <a:cs typeface="Consolas" panose="020B0609020204030204" pitchFamily="49" charset="0"/>
-                </a:rPr>
-                <a:t># Load tuple</a:t>
-              </a:r>
-            </a:p>
-            <a:p>
-              <a:r>
-                <a:rPr lang="en-US" sz="1600" dirty="0">
-                  <a:solidFill>
-                    <a:schemeClr val="tx2"/>
-                  </a:solidFill>
-                  <a:latin typeface="Consolas" panose="020B0609020204030204" pitchFamily="49" charset="0"/>
-                  <a:cs typeface="Consolas" panose="020B0609020204030204" pitchFamily="49" charset="0"/>
-                </a:rPr>
-                <a:t>        t2 = (y[i],y[i+1],y[i+2],y[i+3])   </a:t>
-              </a:r>
-              <a:r>
-                <a:rPr lang="en-US" sz="1600" i="1" dirty="0">
-                  <a:solidFill>
-                    <a:schemeClr val="tx2"/>
-                  </a:solidFill>
-                  <a:latin typeface="Consolas" panose="020B0609020204030204" pitchFamily="49" charset="0"/>
-                  <a:cs typeface="Consolas" panose="020B0609020204030204" pitchFamily="49" charset="0"/>
-                </a:rPr>
-                <a:t># Load tuple</a:t>
-              </a:r>
-            </a:p>
-            <a:p>
-              <a:r>
-                <a:rPr lang="en-US" sz="1600" dirty="0">
-                  <a:solidFill>
-                    <a:schemeClr val="tx2"/>
-                  </a:solidFill>
-                  <a:latin typeface="Consolas" panose="020B0609020204030204" pitchFamily="49" charset="0"/>
-                  <a:cs typeface="Consolas" panose="020B0609020204030204" pitchFamily="49" charset="0"/>
-                </a:rPr>
-                <a:t>        t3 = </a:t>
-              </a:r>
-              <a:r>
-                <a:rPr lang="en-US" sz="1600" dirty="0" smtClean="0">
-                  <a:solidFill>
-                    <a:schemeClr val="tx2"/>
-                  </a:solidFill>
-                  <a:latin typeface="Consolas" panose="020B0609020204030204" pitchFamily="49" charset="0"/>
-                  <a:cs typeface="Consolas" panose="020B0609020204030204" pitchFamily="49" charset="0"/>
-                </a:rPr>
-                <a:t>a*t1                          </a:t>
-              </a:r>
-              <a:r>
-                <a:rPr lang="en-US" sz="1600" i="1" dirty="0">
-                  <a:solidFill>
-                    <a:schemeClr val="tx2"/>
-                  </a:solidFill>
-                  <a:latin typeface="Consolas" panose="020B0609020204030204" pitchFamily="49" charset="0"/>
-                  <a:cs typeface="Consolas" panose="020B0609020204030204" pitchFamily="49" charset="0"/>
-                </a:rPr>
-                <a:t># Scalar times tuple</a:t>
-              </a:r>
-            </a:p>
-            <a:p>
-              <a:r>
-                <a:rPr lang="en-US" sz="1600" dirty="0">
-                  <a:solidFill>
-                    <a:schemeClr val="tx2"/>
-                  </a:solidFill>
-                  <a:latin typeface="Consolas" panose="020B0609020204030204" pitchFamily="49" charset="0"/>
-                  <a:cs typeface="Consolas" panose="020B0609020204030204" pitchFamily="49" charset="0"/>
-                </a:rPr>
-                <a:t>        t4 = </a:t>
-              </a:r>
-              <a:r>
-                <a:rPr lang="en-US" sz="1600" dirty="0" smtClean="0">
-                  <a:solidFill>
-                    <a:schemeClr val="tx2"/>
-                  </a:solidFill>
-                  <a:latin typeface="Consolas" panose="020B0609020204030204" pitchFamily="49" charset="0"/>
-                  <a:cs typeface="Consolas" panose="020B0609020204030204" pitchFamily="49" charset="0"/>
-                </a:rPr>
-                <a:t>t2+t3                         </a:t>
-              </a:r>
-              <a:r>
-                <a:rPr lang="en-US" sz="1600" i="1" dirty="0" smtClean="0">
-                  <a:solidFill>
-                    <a:schemeClr val="tx2"/>
-                  </a:solidFill>
-                  <a:latin typeface="Consolas" panose="020B0609020204030204" pitchFamily="49" charset="0"/>
-                  <a:cs typeface="Consolas" panose="020B0609020204030204" pitchFamily="49" charset="0"/>
-                </a:rPr>
-                <a:t># </a:t>
-              </a:r>
-              <a:r>
-                <a:rPr lang="en-US" sz="1600" i="1" dirty="0">
-                  <a:solidFill>
-                    <a:schemeClr val="tx2"/>
-                  </a:solidFill>
-                  <a:latin typeface="Consolas" panose="020B0609020204030204" pitchFamily="49" charset="0"/>
-                  <a:cs typeface="Consolas" panose="020B0609020204030204" pitchFamily="49" charset="0"/>
-                </a:rPr>
-                <a:t>Tuple add</a:t>
-              </a:r>
-            </a:p>
-            <a:p>
-              <a:r>
-                <a:rPr lang="en-US" sz="1600" dirty="0">
-                  <a:solidFill>
-                    <a:schemeClr val="tx2"/>
-                  </a:solidFill>
-                  <a:latin typeface="Consolas" panose="020B0609020204030204" pitchFamily="49" charset="0"/>
-                  <a:cs typeface="Consolas" panose="020B0609020204030204" pitchFamily="49" charset="0"/>
-                </a:rPr>
-                <a:t>        (y[i],y[i+1],y[i+2],y[i+3]) = t4   </a:t>
-              </a:r>
-              <a:r>
-                <a:rPr lang="en-US" sz="1600" i="1" dirty="0">
-                  <a:solidFill>
-                    <a:schemeClr val="tx2"/>
-                  </a:solidFill>
-                  <a:latin typeface="Consolas" panose="020B0609020204030204" pitchFamily="49" charset="0"/>
-                  <a:cs typeface="Consolas" panose="020B0609020204030204" pitchFamily="49" charset="0"/>
-                </a:rPr>
-                <a:t># Tuple store</a:t>
-              </a:r>
-            </a:p>
-            <a:p>
-              <a:r>
-                <a:rPr lang="en-US" sz="1600" dirty="0" smtClean="0">
-                  <a:solidFill>
-                    <a:schemeClr val="tx2"/>
-                  </a:solidFill>
-                  <a:latin typeface="Consolas" panose="020B0609020204030204" pitchFamily="49" charset="0"/>
-                  <a:cs typeface="Consolas" panose="020B0609020204030204" pitchFamily="49" charset="0"/>
-                </a:rPr>
-                <a:t>    end</a:t>
-              </a:r>
-              <a:endParaRPr lang="en-US" sz="1600" dirty="0">
-                <a:solidFill>
-                  <a:schemeClr val="tx2"/>
-                </a:solidFill>
-                <a:latin typeface="Consolas" panose="020B0609020204030204" pitchFamily="49" charset="0"/>
-                <a:cs typeface="Consolas" panose="020B0609020204030204" pitchFamily="49" charset="0"/>
-              </a:endParaRPr>
-            </a:p>
-            <a:p>
-              <a:r>
-                <a:rPr lang="en-US" sz="1600" dirty="0" smtClean="0">
-                  <a:solidFill>
-                    <a:schemeClr val="tx2"/>
-                  </a:solidFill>
-                  <a:latin typeface="Consolas" panose="020B0609020204030204" pitchFamily="49" charset="0"/>
-                  <a:cs typeface="Consolas" panose="020B0609020204030204" pitchFamily="49" charset="0"/>
-                </a:rPr>
-                <a:t>    </a:t>
-              </a:r>
-              <a:r>
-                <a:rPr lang="en-US" sz="1600" i="1" dirty="0" smtClean="0">
-                  <a:solidFill>
-                    <a:schemeClr val="tx2"/>
-                  </a:solidFill>
-                  <a:latin typeface="Consolas" panose="020B0609020204030204" pitchFamily="49" charset="0"/>
-                  <a:cs typeface="Consolas" panose="020B0609020204030204" pitchFamily="49" charset="0"/>
-                </a:rPr>
-                <a:t>... </a:t>
-              </a:r>
-              <a:r>
-                <a:rPr lang="en-US" sz="1600" i="1" dirty="0">
-                  <a:solidFill>
-                    <a:schemeClr val="tx2"/>
-                  </a:solidFill>
-                  <a:latin typeface="Consolas" panose="020B0609020204030204" pitchFamily="49" charset="0"/>
-                  <a:cs typeface="Consolas" panose="020B0609020204030204" pitchFamily="49" charset="0"/>
-                </a:rPr>
-                <a:t>Scalar loop for remaining </a:t>
-              </a:r>
-              <a:r>
-                <a:rPr lang="en-US" sz="1600" i="1" dirty="0" smtClean="0">
-                  <a:solidFill>
-                    <a:schemeClr val="tx2"/>
-                  </a:solidFill>
-                  <a:latin typeface="Consolas" panose="020B0609020204030204" pitchFamily="49" charset="0"/>
-                  <a:cs typeface="Consolas" panose="020B0609020204030204" pitchFamily="49" charset="0"/>
-                </a:rPr>
-                <a:t>iterations ...</a:t>
-              </a:r>
-              <a:endParaRPr lang="en-US" sz="1600" dirty="0">
-                <a:solidFill>
-                  <a:schemeClr val="tx2"/>
-                </a:solidFill>
-                <a:latin typeface="Consolas" panose="020B0609020204030204" pitchFamily="49" charset="0"/>
-                <a:cs typeface="Consolas" panose="020B0609020204030204" pitchFamily="49" charset="0"/>
-              </a:endParaRPr>
-            </a:p>
-            <a:p>
-              <a:r>
-                <a:rPr lang="en-US" sz="1600" dirty="0">
-                  <a:solidFill>
-                    <a:schemeClr val="tx2"/>
-                  </a:solidFill>
-                  <a:latin typeface="Consolas" panose="020B0609020204030204" pitchFamily="49" charset="0"/>
-                  <a:cs typeface="Consolas" panose="020B0609020204030204" pitchFamily="49" charset="0"/>
-                </a:rPr>
-                <a:t>end</a:t>
-              </a:r>
-              <a:endParaRPr lang="en-US" sz="1600" dirty="0" smtClean="0">
-                <a:solidFill>
-                  <a:schemeClr val="tx2"/>
-                </a:solidFill>
-                <a:latin typeface="Consolas" panose="020B0609020204030204" pitchFamily="49" charset="0"/>
-                <a:cs typeface="Consolas" panose="020B0609020204030204" pitchFamily="49" charset="0"/>
-              </a:endParaRPr>
-            </a:p>
-          </p:txBody>
-        </p:sp>
-        <p:sp>
-          <p:nvSpPr>
-            <p:cNvPr id="6" name="Down Arrow 5"/>
-            <p:cNvSpPr/>
-            <p:nvPr/>
-          </p:nvSpPr>
-          <p:spPr>
-            <a:xfrm>
-              <a:off x="2237713" y="2636115"/>
-              <a:ext cx="573221" cy="570678"/>
-            </a:xfrm>
-            <a:prstGeom prst="downArrow">
-              <a:avLst>
-                <a:gd name="adj1" fmla="val 38184"/>
-                <a:gd name="adj2" fmla="val 50000"/>
-              </a:avLst>
-            </a:prstGeom>
-            <a:solidFill>
-              <a:schemeClr val="accent2"/>
-            </a:solidFill>
-            <a:ln>
-              <a:noFill/>
-            </a:ln>
-            <a:effectLst/>
-          </p:spPr>
-          <p:style>
-            <a:lnRef idx="1">
-              <a:schemeClr val="accent1"/>
-            </a:lnRef>
-            <a:fillRef idx="3">
-              <a:schemeClr val="accent1"/>
-            </a:fillRef>
-            <a:effectRef idx="2">
-              <a:schemeClr val="accent1"/>
-            </a:effectRef>
-            <a:fontRef idx="minor">
-              <a:schemeClr val="lt1"/>
-            </a:fontRef>
-          </p:style>
-          <p:txBody>
-            <a:bodyPr rtlCol="0" anchor="ctr"/>
-            <a:lstStyle/>
-            <a:p>
-              <a:pPr algn="ctr"/>
-              <a:endParaRPr lang="en-US"/>
             </a:p>
           </p:txBody>
         </p:sp>
       </p:grpSp>
-      <p:sp>
-        <p:nvSpPr>
-          <p:cNvPr id="7" name="TextBox 6"/>
-          <p:cNvSpPr txBox="1"/>
-          <p:nvPr/>
-        </p:nvSpPr>
-        <p:spPr>
-          <a:xfrm>
-            <a:off x="455613" y="6177236"/>
-            <a:ext cx="5250706" cy="338554"/>
-          </a:xfrm>
-          <a:prstGeom prst="rect">
-            <a:avLst/>
-          </a:prstGeom>
-          <a:noFill/>
-        </p:spPr>
-        <p:txBody>
-          <a:bodyPr wrap="square" rtlCol="0">
-            <a:spAutoFit/>
-          </a:bodyPr>
-          <a:lstStyle/>
-          <a:p>
-            <a:r>
-              <a:rPr lang="en-US" sz="1600" dirty="0" smtClean="0">
-                <a:solidFill>
-                  <a:schemeClr val="tx2"/>
-                </a:solidFill>
-                <a:cs typeface="Neo Sans Intel"/>
-              </a:rPr>
-              <a:t>Note: example assumes tuple math exists.</a:t>
-            </a:r>
-          </a:p>
-        </p:txBody>
-      </p:sp>
-      <p:sp>
-        <p:nvSpPr>
-          <p:cNvPr id="9" name="TextBox 8"/>
-          <p:cNvSpPr txBox="1"/>
-          <p:nvPr/>
-        </p:nvSpPr>
-        <p:spPr>
-          <a:xfrm>
-            <a:off x="5257770" y="1783339"/>
-            <a:ext cx="3566121" cy="369332"/>
-          </a:xfrm>
-          <a:prstGeom prst="rect">
-            <a:avLst/>
-          </a:prstGeom>
-          <a:noFill/>
-        </p:spPr>
-        <p:txBody>
-          <a:bodyPr wrap="square" rtlCol="0">
-            <a:spAutoFit/>
-          </a:bodyPr>
-          <a:lstStyle/>
-          <a:p>
-            <a:r>
-              <a:rPr lang="en-US" dirty="0" smtClean="0">
-                <a:solidFill>
-                  <a:schemeClr val="accent1"/>
-                </a:solidFill>
-                <a:cs typeface="Neo Sans Intel"/>
-              </a:rPr>
-              <a:t>Requires Julia 0.3-dev or later</a:t>
-            </a:r>
-          </a:p>
-        </p:txBody>
-      </p:sp>
     </p:spTree>
     <p:extLst>
       <p:ext uri="{BB962C8B-B14F-4D97-AF65-F5344CB8AC3E}">
@@ -31095,7 +31188,7 @@
                                           </p:stCondLst>
                                         </p:cTn>
                                         <p:tgtEl>
-                                          <p:spTgt spid="8"/>
+                                          <p:spTgt spid="10"/>
                                         </p:tgtEl>
                                         <p:attrNameLst>
                                           <p:attrName>style.visibility</p:attrName>
